--- a/docs/FLAP_Training_20220328.pptx
+++ b/docs/FLAP_Training_20220328.pptx
@@ -8379,7 +8379,7 @@
                   <a:srgbClr val="3333FF"/>
                 </a:solidFill>
               </a:rPr>
-              <a:t>shape: (5), dimension_list = [1]</a:t>
+              <a:t>shape: (4), dimension_list = [1]</a:t>
             </a:r>
             <a:endParaRPr lang="en-US" sz="2000">
               <a:solidFill>
@@ -8695,7 +8695,7 @@
                   <a:srgbClr val="3333FF"/>
                 </a:solidFill>
               </a:rPr>
-              <a:t>shape: (n,5), dimension_list =[0,1] </a:t>
+              <a:t>shape: (n,4), dimension_list =[0,1] </a:t>
             </a:r>
           </a:p>
           <a:p>
@@ -9398,7 +9398,7 @@
         <p:spPr>
           <a:xfrm>
             <a:off x="99951" y="658486"/>
-            <a:ext cx="9044049" cy="5355312"/>
+            <a:ext cx="9044049" cy="5632311"/>
           </a:xfrm>
           <a:prstGeom prst="rect">
             <a:avLst/>
@@ -9417,6 +9417,11 @@
               </a:rPr>
               <a:t>coordinate.data() returns the coordinates for a subarray of data.</a:t>
             </a:r>
+          </a:p>
+          <a:p>
+            <a:endParaRPr lang="en-US">
+              <a:latin typeface="+mn-lt"/>
+            </a:endParaRPr>
           </a:p>
           <a:p>
             <a:r>
@@ -10893,8 +10898,8 @@
         </p:nvSpPr>
         <p:spPr bwMode="auto">
           <a:xfrm>
-            <a:off x="1638311" y="59543"/>
-            <a:ext cx="5475514" cy="308179"/>
+            <a:off x="1638310" y="59543"/>
+            <a:ext cx="6178051" cy="308179"/>
           </a:xfrm>
           <a:prstGeom prst="rect">
             <a:avLst/>
@@ -10936,7 +10941,7 @@
                 <a:ea typeface="Arial Unicode MS" pitchFamily="34" charset="-128"/>
                 <a:cs typeface="Arial Unicode MS" pitchFamily="34" charset="-128"/>
               </a:rPr>
-              <a:t>Data and coordinate read</a:t>
+              <a:t>Data and coordinate read in data source modules</a:t>
             </a:r>
             <a:endParaRPr lang="en-US" sz="2000" dirty="0">
               <a:solidFill>
@@ -11416,11 +11421,15 @@
           <a:p>
             <a:pPr lvl="2"/>
             <a:r>
-              <a:rPr lang="en-US"/>
-              <a:t>beam.rmki.kfki.hu:/home/git/git/flap.git</a:t>
-            </a:r>
-          </a:p>
-          <a:p>
+              <a:rPr lang="en-US">
+                <a:hlinkClick r:id="rId3"/>
+              </a:rPr>
+              <a:t>https://github.com/fusion-flap/flap</a:t>
+            </a:r>
+            <a:endParaRPr lang="en-US"/>
+          </a:p>
+          <a:p>
+            <a:pPr lvl="2"/>
             <a:endParaRPr lang="en-US">
               <a:latin typeface="+mj-lt"/>
             </a:endParaRPr>
@@ -11566,7 +11575,7 @@
           <p:nvPr/>
         </p:nvPicPr>
         <p:blipFill>
-          <a:blip r:embed="rId3"/>
+          <a:blip r:embed="rId4"/>
           <a:stretch>
             <a:fillRect/>
           </a:stretch>
@@ -11620,7 +11629,7 @@
         <p:spPr>
           <a:xfrm>
             <a:off x="99951" y="574959"/>
-            <a:ext cx="9044049" cy="7602081"/>
+            <a:ext cx="9044049" cy="5262979"/>
           </a:xfrm>
           <a:prstGeom prst="rect">
             <a:avLst/>
@@ -11746,73 +11755,6 @@
             <a:endParaRPr lang="en-US" sz="1600">
               <a:latin typeface="Consolas" panose="020B0609020204030204" pitchFamily="49" charset="0"/>
             </a:endParaRPr>
-          </a:p>
-          <a:p>
-            <a:r>
-              <a:rPr lang="en-US">
-                <a:solidFill>
-                  <a:srgbClr val="3333FF"/>
-                </a:solidFill>
-                <a:latin typeface="Arial" panose="020B0604020202020204" pitchFamily="34" charset="0"/>
-                <a:cs typeface="Arial" panose="020B0604020202020204" pitchFamily="34" charset="0"/>
-              </a:rPr>
-              <a:t>Under implementation: slice</a:t>
-            </a:r>
-          </a:p>
-          <a:p>
-            <a:r>
-              <a:rPr lang="en-US" sz="1600" i="1"/>
-              <a:t>To get the data for the first channel in part of the time interval:</a:t>
-            </a:r>
-            <a:endParaRPr lang="en-US" sz="1600">
-              <a:latin typeface="Consolas" panose="020B0609020204030204" pitchFamily="49" charset="0"/>
-            </a:endParaRPr>
-          </a:p>
-          <a:p>
-            <a:r>
-              <a:rPr lang="en-US" sz="1600">
-                <a:latin typeface="Consolas" panose="020B0609020204030204" pitchFamily="49" charset="0"/>
-              </a:rPr>
-              <a:t>ds = d.slice({‘Signal name’: ‘TEST-1-2’, ‘Time’: range(3.15,3.16)})</a:t>
-            </a:r>
-          </a:p>
-          <a:p>
-            <a:r>
-              <a:rPr lang="en-US" sz="1600" i="1"/>
-              <a:t>plt.plot(ds.coordinate(‘Time’,...),ds.data)</a:t>
-            </a:r>
-          </a:p>
-          <a:p>
-            <a:endParaRPr lang="en-US" sz="1600" i="1"/>
-          </a:p>
-          <a:p>
-            <a:r>
-              <a:rPr lang="en-US"/>
-              <a:t>Slicing and summing in one routine:</a:t>
-            </a:r>
-          </a:p>
-          <a:p>
-            <a:pPr marL="285750" indent="-285750">
-              <a:buFont typeface="Arial" panose="020B0604020202020204" pitchFamily="34" charset="0"/>
-              <a:buChar char="•"/>
-            </a:pPr>
-            <a:r>
-              <a:rPr lang="en-US"/>
-              <a:t>Select range in coordinate 1 and average along coordinate 2</a:t>
-            </a:r>
-          </a:p>
-          <a:p>
-            <a:pPr marL="285750" indent="-285750">
-              <a:buFont typeface="Arial" panose="020B0604020202020204" pitchFamily="34" charset="0"/>
-              <a:buChar char="•"/>
-            </a:pPr>
-            <a:r>
-              <a:rPr lang="en-US"/>
-              <a:t>Select multiple intervals in coordinate 1 and average data in each interval</a:t>
-            </a:r>
-          </a:p>
-          <a:p>
-            <a:endParaRPr lang="en-US" sz="1600" i="1"/>
           </a:p>
           <a:p>
             <a:endParaRPr lang="en-US" sz="1600" i="1"/>
@@ -14634,7 +14576,7 @@
                 </a:solidFill>
                 <a:latin typeface="+mj-lt"/>
               </a:rPr>
-              <a:t>flap</a:t>
+              <a:t>flap_fusion</a:t>
             </a:r>
           </a:p>
           <a:p>
@@ -14895,7 +14837,7 @@
               <a:rPr lang="en-US">
                 <a:latin typeface="+mj-lt"/>
               </a:rPr>
-              <a:t>flap_apdcam, flap_mdsplus, flap_mdsplus, flap_nstx, flap_mdsplus_w7x, flap_nstx, flap_w7x_abes, flap_w7x_camera,flap_w7x_webapi</a:t>
+              <a:t>flap_apdcam, flap_mdsplus, flap_mdsplus_nstx, flap_nstx, flap_mdsplus_w7x, flap_w7x_abes, flap_w7x_camera,flap_w7x_webapi</a:t>
             </a:r>
           </a:p>
           <a:p>
